--- a/Diagram/AngularJs + ASP.pptx
+++ b/Diagram/AngularJs + ASP.pptx
@@ -5,11 +5,13 @@
     <p:sldMasterId id="2147483648" r:id="rId1"/>
   </p:sldMasterIdLst>
   <p:notesMasterIdLst>
-    <p:notesMasterId r:id="rId4"/>
+    <p:notesMasterId r:id="rId6"/>
   </p:notesMasterIdLst>
   <p:sldIdLst>
     <p:sldId id="257" r:id="rId2"/>
     <p:sldId id="258" r:id="rId3"/>
+    <p:sldId id="259" r:id="rId4"/>
+    <p:sldId id="260" r:id="rId5"/>
   </p:sldIdLst>
   <p:sldSz cx="12192000" cy="6858000"/>
   <p:notesSz cx="6858000" cy="9144000"/>
@@ -108,6 +110,11 @@
       </a:defRPr>
     </a:lvl9pPr>
   </p:defaultTextStyle>
+  <p:extLst>
+    <p:ext uri="{EFAFB233-063F-42B5-8137-9DF3F51BA10A}">
+      <p15:sldGuideLst xmlns:p15="http://schemas.microsoft.com/office/powerpoint/2012/main"/>
+    </p:ext>
+  </p:extLst>
 </p:presentation>
 </file>
 
@@ -193,7 +200,7 @@
           <a:p>
             <a:fld id="{A21FF743-423C-4151-98C6-566619B570DA}" type="datetimeFigureOut">
               <a:rPr lang="en-US" smtClean="0"/>
-              <a:t>5/18/2014</a:t>
+              <a:t>5/20/2014</a:t>
             </a:fld>
             <a:endParaRPr lang="en-US"/>
           </a:p>
@@ -676,7 +683,7 @@
           <a:p>
             <a:fld id="{C3A7FED0-B406-4EBC-BE57-01792E773B59}" type="datetimeFigureOut">
               <a:rPr lang="en-US" smtClean="0"/>
-              <a:t>5/18/2014</a:t>
+              <a:t>5/20/2014</a:t>
             </a:fld>
             <a:endParaRPr lang="en-US"/>
           </a:p>
@@ -846,7 +853,7 @@
           <a:p>
             <a:fld id="{C3A7FED0-B406-4EBC-BE57-01792E773B59}" type="datetimeFigureOut">
               <a:rPr lang="en-US" smtClean="0"/>
-              <a:t>5/18/2014</a:t>
+              <a:t>5/20/2014</a:t>
             </a:fld>
             <a:endParaRPr lang="en-US"/>
           </a:p>
@@ -1026,7 +1033,7 @@
           <a:p>
             <a:fld id="{C3A7FED0-B406-4EBC-BE57-01792E773B59}" type="datetimeFigureOut">
               <a:rPr lang="en-US" smtClean="0"/>
-              <a:t>5/18/2014</a:t>
+              <a:t>5/20/2014</a:t>
             </a:fld>
             <a:endParaRPr lang="en-US"/>
           </a:p>
@@ -1196,7 +1203,7 @@
           <a:p>
             <a:fld id="{C3A7FED0-B406-4EBC-BE57-01792E773B59}" type="datetimeFigureOut">
               <a:rPr lang="en-US" smtClean="0"/>
-              <a:t>5/18/2014</a:t>
+              <a:t>5/20/2014</a:t>
             </a:fld>
             <a:endParaRPr lang="en-US"/>
           </a:p>
@@ -1442,7 +1449,7 @@
           <a:p>
             <a:fld id="{C3A7FED0-B406-4EBC-BE57-01792E773B59}" type="datetimeFigureOut">
               <a:rPr lang="en-US" smtClean="0"/>
-              <a:t>5/18/2014</a:t>
+              <a:t>5/20/2014</a:t>
             </a:fld>
             <a:endParaRPr lang="en-US"/>
           </a:p>
@@ -1674,7 +1681,7 @@
           <a:p>
             <a:fld id="{C3A7FED0-B406-4EBC-BE57-01792E773B59}" type="datetimeFigureOut">
               <a:rPr lang="en-US" smtClean="0"/>
-              <a:t>5/18/2014</a:t>
+              <a:t>5/20/2014</a:t>
             </a:fld>
             <a:endParaRPr lang="en-US"/>
           </a:p>
@@ -2041,7 +2048,7 @@
           <a:p>
             <a:fld id="{C3A7FED0-B406-4EBC-BE57-01792E773B59}" type="datetimeFigureOut">
               <a:rPr lang="en-US" smtClean="0"/>
-              <a:t>5/18/2014</a:t>
+              <a:t>5/20/2014</a:t>
             </a:fld>
             <a:endParaRPr lang="en-US"/>
           </a:p>
@@ -2159,7 +2166,7 @@
           <a:p>
             <a:fld id="{C3A7FED0-B406-4EBC-BE57-01792E773B59}" type="datetimeFigureOut">
               <a:rPr lang="en-US" smtClean="0"/>
-              <a:t>5/18/2014</a:t>
+              <a:t>5/20/2014</a:t>
             </a:fld>
             <a:endParaRPr lang="en-US"/>
           </a:p>
@@ -2254,7 +2261,7 @@
           <a:p>
             <a:fld id="{C3A7FED0-B406-4EBC-BE57-01792E773B59}" type="datetimeFigureOut">
               <a:rPr lang="en-US" smtClean="0"/>
-              <a:t>5/18/2014</a:t>
+              <a:t>5/20/2014</a:t>
             </a:fld>
             <a:endParaRPr lang="en-US"/>
           </a:p>
@@ -2531,7 +2538,7 @@
           <a:p>
             <a:fld id="{C3A7FED0-B406-4EBC-BE57-01792E773B59}" type="datetimeFigureOut">
               <a:rPr lang="en-US" smtClean="0"/>
-              <a:t>5/18/2014</a:t>
+              <a:t>5/20/2014</a:t>
             </a:fld>
             <a:endParaRPr lang="en-US"/>
           </a:p>
@@ -2784,7 +2791,7 @@
           <a:p>
             <a:fld id="{C3A7FED0-B406-4EBC-BE57-01792E773B59}" type="datetimeFigureOut">
               <a:rPr lang="en-US" smtClean="0"/>
-              <a:t>5/18/2014</a:t>
+              <a:t>5/20/2014</a:t>
             </a:fld>
             <a:endParaRPr lang="en-US"/>
           </a:p>
@@ -2997,7 +3004,7 @@
           <a:p>
             <a:fld id="{C3A7FED0-B406-4EBC-BE57-01792E773B59}" type="datetimeFigureOut">
               <a:rPr lang="en-US" smtClean="0"/>
-              <a:t>5/18/2014</a:t>
+              <a:t>5/20/2014</a:t>
             </a:fld>
             <a:endParaRPr lang="en-US"/>
           </a:p>
@@ -3425,14 +3432,26 @@
           <a:lstStyle/>
           <a:p>
             <a:r>
-              <a:rPr lang="en-US" sz="4000" dirty="0" err="1" smtClean="0"/>
+              <a:rPr lang="en-US" sz="4000" dirty="0" err="1" smtClean="0">
+                <a:solidFill>
+                  <a:srgbClr val="0070C0"/>
+                </a:solidFill>
+              </a:rPr>
               <a:t>AngularJs</a:t>
             </a:r>
             <a:r>
-              <a:rPr lang="en-US" sz="4000" dirty="0" smtClean="0"/>
+              <a:rPr lang="en-US" sz="4000" dirty="0" smtClean="0">
+                <a:solidFill>
+                  <a:srgbClr val="0070C0"/>
+                </a:solidFill>
+              </a:rPr>
               <a:t> + ASP.NET MVC</a:t>
             </a:r>
-            <a:endParaRPr lang="en-US" sz="4000" dirty="0"/>
+            <a:endParaRPr lang="en-US" sz="4000" dirty="0">
+              <a:solidFill>
+                <a:srgbClr val="0070C0"/>
+              </a:solidFill>
+            </a:endParaRPr>
           </a:p>
         </p:txBody>
       </p:sp>
@@ -3578,6 +3597,295 @@
       </p:par>
     </p:tnLst>
   </p:timing>
+</p:sld>
+</file>
+
+<file path=ppt/slides/slide3.xml><?xml version="1.0" encoding="utf-8"?>
+<p:sld xmlns:a="http://schemas.openxmlformats.org/drawingml/2006/main" xmlns:r="http://schemas.openxmlformats.org/officeDocument/2006/relationships" xmlns:p="http://schemas.openxmlformats.org/presentationml/2006/main">
+  <p:cSld>
+    <p:spTree>
+      <p:nvGrpSpPr>
+        <p:cNvPr id="1" name=""/>
+        <p:cNvGrpSpPr/>
+        <p:nvPr/>
+      </p:nvGrpSpPr>
+      <p:grpSpPr>
+        <a:xfrm>
+          <a:off x="0" y="0"/>
+          <a:ext cx="0" cy="0"/>
+          <a:chOff x="0" y="0"/>
+          <a:chExt cx="0" cy="0"/>
+        </a:xfrm>
+      </p:grpSpPr>
+      <p:sp>
+        <p:nvSpPr>
+          <p:cNvPr id="2" name="Title 1"/>
+          <p:cNvSpPr>
+            <a:spLocks noGrp="1"/>
+          </p:cNvSpPr>
+          <p:nvPr>
+            <p:ph type="title"/>
+          </p:nvPr>
+        </p:nvSpPr>
+        <p:spPr>
+          <a:xfrm>
+            <a:off x="838200" y="170253"/>
+            <a:ext cx="10515600" cy="609236"/>
+          </a:xfrm>
+        </p:spPr>
+        <p:txBody>
+          <a:bodyPr>
+            <a:normAutofit fontScale="90000"/>
+          </a:bodyPr>
+          <a:lstStyle/>
+          <a:p>
+            <a:r>
+              <a:rPr lang="en-US" dirty="0" smtClean="0">
+                <a:solidFill>
+                  <a:srgbClr val="0070C0"/>
+                </a:solidFill>
+              </a:rPr>
+              <a:t>Tools &amp; Libraries</a:t>
+            </a:r>
+            <a:endParaRPr lang="en-US" dirty="0">
+              <a:solidFill>
+                <a:srgbClr val="0070C0"/>
+              </a:solidFill>
+            </a:endParaRPr>
+          </a:p>
+        </p:txBody>
+      </p:sp>
+      <p:sp>
+        <p:nvSpPr>
+          <p:cNvPr id="3" name="Content Placeholder 2"/>
+          <p:cNvSpPr>
+            <a:spLocks noGrp="1"/>
+          </p:cNvSpPr>
+          <p:nvPr>
+            <p:ph idx="1"/>
+          </p:nvPr>
+        </p:nvSpPr>
+        <p:spPr>
+          <a:xfrm>
+            <a:off x="838200" y="959370"/>
+            <a:ext cx="10515600" cy="5217594"/>
+          </a:xfrm>
+        </p:spPr>
+        <p:txBody>
+          <a:bodyPr>
+            <a:normAutofit/>
+          </a:bodyPr>
+          <a:lstStyle/>
+          <a:p>
+            <a:pPr marL="0" indent="0">
+              <a:buNone/>
+            </a:pPr>
+            <a:r>
+              <a:rPr lang="en-US" dirty="0" err="1" smtClean="0">
+                <a:solidFill>
+                  <a:srgbClr val="00B0F0"/>
+                </a:solidFill>
+              </a:rPr>
+              <a:t>Nuget</a:t>
+            </a:r>
+            <a:endParaRPr lang="en-US" dirty="0" smtClean="0">
+              <a:solidFill>
+                <a:srgbClr val="00B0F0"/>
+              </a:solidFill>
+            </a:endParaRPr>
+          </a:p>
+          <a:p>
+            <a:r>
+              <a:rPr lang="en-US" dirty="0" err="1" smtClean="0"/>
+              <a:t>AngularJS.Core</a:t>
+            </a:r>
+            <a:endParaRPr lang="en-US" dirty="0" smtClean="0"/>
+          </a:p>
+          <a:p>
+            <a:pPr lvl="1"/>
+            <a:r>
+              <a:rPr lang="en-US" sz="2800" dirty="0" err="1" smtClean="0"/>
+              <a:t>AngularJS.Route</a:t>
+            </a:r>
+            <a:endParaRPr lang="en-US" sz="2800" dirty="0" smtClean="0"/>
+          </a:p>
+          <a:p>
+            <a:r>
+              <a:rPr lang="en-US" dirty="0" smtClean="0"/>
+              <a:t>bootstrap</a:t>
+            </a:r>
+          </a:p>
+          <a:p>
+            <a:pPr lvl="1"/>
+            <a:r>
+              <a:rPr lang="en-US" sz="2800" dirty="0" smtClean="0"/>
+              <a:t>jQuery</a:t>
+            </a:r>
+          </a:p>
+          <a:p>
+            <a:r>
+              <a:rPr lang="en-US" dirty="0" smtClean="0"/>
+              <a:t>html5shiv</a:t>
+            </a:r>
+          </a:p>
+          <a:p>
+            <a:r>
+              <a:rPr lang="en-US" dirty="0" smtClean="0"/>
+              <a:t>Respond</a:t>
+            </a:r>
+            <a:r>
+              <a:rPr lang="en-US" dirty="0"/>
+              <a:t>	</a:t>
+            </a:r>
+          </a:p>
+          <a:p>
+            <a:pPr marL="0" indent="0">
+              <a:buNone/>
+            </a:pPr>
+            <a:r>
+              <a:rPr lang="en-US" dirty="0" smtClean="0">
+                <a:solidFill>
+                  <a:srgbClr val="00B0F0"/>
+                </a:solidFill>
+              </a:rPr>
+              <a:t>Bower</a:t>
+            </a:r>
+          </a:p>
+          <a:p>
+            <a:r>
+              <a:rPr lang="en-US" dirty="0" smtClean="0"/>
+              <a:t>ng-table</a:t>
+            </a:r>
+            <a:endParaRPr lang="en-US" dirty="0"/>
+          </a:p>
+        </p:txBody>
+      </p:sp>
+    </p:spTree>
+    <p:extLst>
+      <p:ext uri="{BB962C8B-B14F-4D97-AF65-F5344CB8AC3E}">
+        <p14:creationId xmlns:p14="http://schemas.microsoft.com/office/powerpoint/2010/main" val="3599642853"/>
+      </p:ext>
+    </p:extLst>
+  </p:cSld>
+  <p:clrMapOvr>
+    <a:masterClrMapping/>
+  </p:clrMapOvr>
+</p:sld>
+</file>
+
+<file path=ppt/slides/slide4.xml><?xml version="1.0" encoding="utf-8"?>
+<p:sld xmlns:a="http://schemas.openxmlformats.org/drawingml/2006/main" xmlns:r="http://schemas.openxmlformats.org/officeDocument/2006/relationships" xmlns:p="http://schemas.openxmlformats.org/presentationml/2006/main">
+  <p:cSld>
+    <p:spTree>
+      <p:nvGrpSpPr>
+        <p:cNvPr id="1" name=""/>
+        <p:cNvGrpSpPr/>
+        <p:nvPr/>
+      </p:nvGrpSpPr>
+      <p:grpSpPr>
+        <a:xfrm>
+          <a:off x="0" y="0"/>
+          <a:ext cx="0" cy="0"/>
+          <a:chOff x="0" y="0"/>
+          <a:chExt cx="0" cy="0"/>
+        </a:xfrm>
+      </p:grpSpPr>
+      <p:sp>
+        <p:nvSpPr>
+          <p:cNvPr id="2" name="Title 1"/>
+          <p:cNvSpPr>
+            <a:spLocks noGrp="1"/>
+          </p:cNvSpPr>
+          <p:nvPr>
+            <p:ph type="title"/>
+          </p:nvPr>
+        </p:nvSpPr>
+        <p:spPr>
+          <a:xfrm>
+            <a:off x="838200" y="254832"/>
+            <a:ext cx="10515600" cy="599608"/>
+          </a:xfrm>
+        </p:spPr>
+        <p:txBody>
+          <a:bodyPr>
+            <a:normAutofit fontScale="90000"/>
+          </a:bodyPr>
+          <a:lstStyle/>
+          <a:p>
+            <a:r>
+              <a:rPr lang="en-US" dirty="0" smtClean="0">
+                <a:solidFill>
+                  <a:srgbClr val="0070C0"/>
+                </a:solidFill>
+              </a:rPr>
+              <a:t>Next…</a:t>
+            </a:r>
+            <a:endParaRPr lang="en-US" dirty="0">
+              <a:solidFill>
+                <a:srgbClr val="0070C0"/>
+              </a:solidFill>
+            </a:endParaRPr>
+          </a:p>
+        </p:txBody>
+      </p:sp>
+      <p:sp>
+        <p:nvSpPr>
+          <p:cNvPr id="3" name="Content Placeholder 2"/>
+          <p:cNvSpPr>
+            <a:spLocks noGrp="1"/>
+          </p:cNvSpPr>
+          <p:nvPr>
+            <p:ph idx="1"/>
+          </p:nvPr>
+        </p:nvSpPr>
+        <p:spPr>
+          <a:xfrm>
+            <a:off x="838200" y="1319134"/>
+            <a:ext cx="10515600" cy="4871803"/>
+          </a:xfrm>
+        </p:spPr>
+        <p:txBody>
+          <a:bodyPr/>
+          <a:lstStyle/>
+          <a:p>
+            <a:r>
+              <a:rPr lang="en-US" dirty="0" smtClean="0"/>
+              <a:t>Unit testing</a:t>
+            </a:r>
+          </a:p>
+          <a:p>
+            <a:r>
+              <a:rPr lang="en-US" dirty="0" smtClean="0"/>
+              <a:t>Real-time application using </a:t>
+            </a:r>
+            <a:r>
+              <a:rPr lang="en-US" dirty="0" err="1" smtClean="0"/>
+              <a:t>SignalR</a:t>
+            </a:r>
+            <a:endParaRPr lang="en-US" dirty="0" smtClean="0"/>
+          </a:p>
+          <a:p>
+            <a:r>
+              <a:rPr lang="en-US" dirty="0" smtClean="0"/>
+              <a:t>Angular UI </a:t>
+            </a:r>
+            <a:r>
+              <a:rPr lang="en-US" dirty="0" smtClean="0"/>
+              <a:t>Bootstrap</a:t>
+            </a:r>
+          </a:p>
+        </p:txBody>
+      </p:sp>
+    </p:spTree>
+    <p:extLst>
+      <p:ext uri="{BB962C8B-B14F-4D97-AF65-F5344CB8AC3E}">
+        <p14:creationId xmlns:p14="http://schemas.microsoft.com/office/powerpoint/2010/main" val="3449787676"/>
+      </p:ext>
+    </p:extLst>
+  </p:cSld>
+  <p:clrMapOvr>
+    <a:masterClrMapping/>
+  </p:clrMapOvr>
 </p:sld>
 </file>
 

--- a/Diagram/AngularJs + ASP.pptx
+++ b/Diagram/AngularJs + ASP.pptx
@@ -5,13 +5,14 @@
     <p:sldMasterId id="2147483648" r:id="rId1"/>
   </p:sldMasterIdLst>
   <p:notesMasterIdLst>
-    <p:notesMasterId r:id="rId6"/>
+    <p:notesMasterId r:id="rId7"/>
   </p:notesMasterIdLst>
   <p:sldIdLst>
     <p:sldId id="257" r:id="rId2"/>
     <p:sldId id="258" r:id="rId3"/>
     <p:sldId id="259" r:id="rId4"/>
-    <p:sldId id="260" r:id="rId5"/>
+    <p:sldId id="261" r:id="rId5"/>
+    <p:sldId id="260" r:id="rId6"/>
   </p:sldIdLst>
   <p:sldSz cx="12192000" cy="6858000"/>
   <p:notesSz cx="6858000" cy="9144000"/>
@@ -200,7 +201,7 @@
           <a:p>
             <a:fld id="{A21FF743-423C-4151-98C6-566619B570DA}" type="datetimeFigureOut">
               <a:rPr lang="en-US" smtClean="0"/>
-              <a:t>5/20/2014</a:t>
+              <a:t>5/23/2014</a:t>
             </a:fld>
             <a:endParaRPr lang="en-US"/>
           </a:p>
@@ -683,7 +684,7 @@
           <a:p>
             <a:fld id="{C3A7FED0-B406-4EBC-BE57-01792E773B59}" type="datetimeFigureOut">
               <a:rPr lang="en-US" smtClean="0"/>
-              <a:t>5/20/2014</a:t>
+              <a:t>5/23/2014</a:t>
             </a:fld>
             <a:endParaRPr lang="en-US"/>
           </a:p>
@@ -853,7 +854,7 @@
           <a:p>
             <a:fld id="{C3A7FED0-B406-4EBC-BE57-01792E773B59}" type="datetimeFigureOut">
               <a:rPr lang="en-US" smtClean="0"/>
-              <a:t>5/20/2014</a:t>
+              <a:t>5/23/2014</a:t>
             </a:fld>
             <a:endParaRPr lang="en-US"/>
           </a:p>
@@ -1033,7 +1034,7 @@
           <a:p>
             <a:fld id="{C3A7FED0-B406-4EBC-BE57-01792E773B59}" type="datetimeFigureOut">
               <a:rPr lang="en-US" smtClean="0"/>
-              <a:t>5/20/2014</a:t>
+              <a:t>5/23/2014</a:t>
             </a:fld>
             <a:endParaRPr lang="en-US"/>
           </a:p>
@@ -1203,7 +1204,7 @@
           <a:p>
             <a:fld id="{C3A7FED0-B406-4EBC-BE57-01792E773B59}" type="datetimeFigureOut">
               <a:rPr lang="en-US" smtClean="0"/>
-              <a:t>5/20/2014</a:t>
+              <a:t>5/23/2014</a:t>
             </a:fld>
             <a:endParaRPr lang="en-US"/>
           </a:p>
@@ -1449,7 +1450,7 @@
           <a:p>
             <a:fld id="{C3A7FED0-B406-4EBC-BE57-01792E773B59}" type="datetimeFigureOut">
               <a:rPr lang="en-US" smtClean="0"/>
-              <a:t>5/20/2014</a:t>
+              <a:t>5/23/2014</a:t>
             </a:fld>
             <a:endParaRPr lang="en-US"/>
           </a:p>
@@ -1681,7 +1682,7 @@
           <a:p>
             <a:fld id="{C3A7FED0-B406-4EBC-BE57-01792E773B59}" type="datetimeFigureOut">
               <a:rPr lang="en-US" smtClean="0"/>
-              <a:t>5/20/2014</a:t>
+              <a:t>5/23/2014</a:t>
             </a:fld>
             <a:endParaRPr lang="en-US"/>
           </a:p>
@@ -2048,7 +2049,7 @@
           <a:p>
             <a:fld id="{C3A7FED0-B406-4EBC-BE57-01792E773B59}" type="datetimeFigureOut">
               <a:rPr lang="en-US" smtClean="0"/>
-              <a:t>5/20/2014</a:t>
+              <a:t>5/23/2014</a:t>
             </a:fld>
             <a:endParaRPr lang="en-US"/>
           </a:p>
@@ -2166,7 +2167,7 @@
           <a:p>
             <a:fld id="{C3A7FED0-B406-4EBC-BE57-01792E773B59}" type="datetimeFigureOut">
               <a:rPr lang="en-US" smtClean="0"/>
-              <a:t>5/20/2014</a:t>
+              <a:t>5/23/2014</a:t>
             </a:fld>
             <a:endParaRPr lang="en-US"/>
           </a:p>
@@ -2261,7 +2262,7 @@
           <a:p>
             <a:fld id="{C3A7FED0-B406-4EBC-BE57-01792E773B59}" type="datetimeFigureOut">
               <a:rPr lang="en-US" smtClean="0"/>
-              <a:t>5/20/2014</a:t>
+              <a:t>5/23/2014</a:t>
             </a:fld>
             <a:endParaRPr lang="en-US"/>
           </a:p>
@@ -2538,7 +2539,7 @@
           <a:p>
             <a:fld id="{C3A7FED0-B406-4EBC-BE57-01792E773B59}" type="datetimeFigureOut">
               <a:rPr lang="en-US" smtClean="0"/>
-              <a:t>5/20/2014</a:t>
+              <a:t>5/23/2014</a:t>
             </a:fld>
             <a:endParaRPr lang="en-US"/>
           </a:p>
@@ -2791,7 +2792,7 @@
           <a:p>
             <a:fld id="{C3A7FED0-B406-4EBC-BE57-01792E773B59}" type="datetimeFigureOut">
               <a:rPr lang="en-US" smtClean="0"/>
-              <a:t>5/20/2014</a:t>
+              <a:t>5/23/2014</a:t>
             </a:fld>
             <a:endParaRPr lang="en-US"/>
           </a:p>
@@ -3004,7 +3005,7 @@
           <a:p>
             <a:fld id="{C3A7FED0-B406-4EBC-BE57-01792E773B59}" type="datetimeFigureOut">
               <a:rPr lang="en-US" smtClean="0"/>
-              <a:t>5/20/2014</a:t>
+              <a:t>5/23/2014</a:t>
             </a:fld>
             <a:endParaRPr lang="en-US"/>
           </a:p>
@@ -3770,6 +3771,13 @@
   <p:clrMapOvr>
     <a:masterClrMapping/>
   </p:clrMapOvr>
+  <p:timing>
+    <p:tnLst>
+      <p:par>
+        <p:cTn id="1" dur="indefinite" restart="never" nodeType="tmRoot"/>
+      </p:par>
+    </p:tnLst>
+  </p:timing>
 </p:sld>
 </file>
 
@@ -3800,6 +3808,181 @@
             <p:ph type="title"/>
           </p:nvPr>
         </p:nvSpPr>
+        <p:spPr/>
+        <p:txBody>
+          <a:bodyPr/>
+          <a:lstStyle/>
+          <a:p>
+            <a:r>
+              <a:rPr lang="en-US" dirty="0" smtClean="0"/>
+              <a:t>Unit Testing</a:t>
+            </a:r>
+            <a:endParaRPr lang="en-US" dirty="0"/>
+          </a:p>
+        </p:txBody>
+      </p:sp>
+      <p:sp>
+        <p:nvSpPr>
+          <p:cNvPr id="3" name="Content Placeholder 2"/>
+          <p:cNvSpPr>
+            <a:spLocks noGrp="1"/>
+          </p:cNvSpPr>
+          <p:nvPr>
+            <p:ph idx="1"/>
+          </p:nvPr>
+        </p:nvSpPr>
+        <p:spPr>
+          <a:xfrm>
+            <a:off x="838200" y="1573967"/>
+            <a:ext cx="10515600" cy="4602996"/>
+          </a:xfrm>
+        </p:spPr>
+        <p:txBody>
+          <a:bodyPr>
+            <a:normAutofit/>
+          </a:bodyPr>
+          <a:lstStyle/>
+          <a:p>
+            <a:r>
+              <a:rPr lang="en-US" dirty="0" err="1" smtClean="0"/>
+              <a:t>Javascript</a:t>
+            </a:r>
+            <a:r>
+              <a:rPr lang="en-US" dirty="0" smtClean="0"/>
+              <a:t> Unit Tests</a:t>
+            </a:r>
+          </a:p>
+          <a:p>
+            <a:pPr lvl="1"/>
+            <a:r>
+              <a:rPr lang="en-US" dirty="0" smtClean="0"/>
+              <a:t>Jasmine</a:t>
+            </a:r>
+          </a:p>
+          <a:p>
+            <a:pPr lvl="1"/>
+            <a:r>
+              <a:rPr lang="en-US" dirty="0" smtClean="0"/>
+              <a:t>angular-mocks</a:t>
+            </a:r>
+          </a:p>
+          <a:p>
+            <a:pPr lvl="1"/>
+            <a:r>
+              <a:rPr lang="en-US" dirty="0" err="1" smtClean="0"/>
+              <a:t>Resharper</a:t>
+            </a:r>
+            <a:r>
+              <a:rPr lang="en-US" dirty="0" smtClean="0"/>
+              <a:t>/Chutzpah + </a:t>
+            </a:r>
+            <a:r>
+              <a:rPr lang="en-US" dirty="0" err="1" smtClean="0"/>
+              <a:t>PhantomJS</a:t>
+            </a:r>
+            <a:endParaRPr lang="en-US" dirty="0" smtClean="0"/>
+          </a:p>
+          <a:p>
+            <a:pPr marL="457200" lvl="1" indent="0">
+              <a:buNone/>
+            </a:pPr>
+            <a:endParaRPr lang="en-US" dirty="0" smtClean="0"/>
+          </a:p>
+          <a:p>
+            <a:r>
+              <a:rPr lang="en-US" dirty="0" smtClean="0"/>
+              <a:t>Controller (MVC + </a:t>
+            </a:r>
+            <a:r>
+              <a:rPr lang="en-US" dirty="0" err="1" smtClean="0"/>
+              <a:t>Api</a:t>
+            </a:r>
+            <a:r>
+              <a:rPr lang="en-US" dirty="0" smtClean="0"/>
+              <a:t>) Unit Tests</a:t>
+            </a:r>
+          </a:p>
+          <a:p>
+            <a:pPr lvl="1"/>
+            <a:r>
+              <a:rPr lang="en-US" dirty="0" err="1" smtClean="0"/>
+              <a:t>structuremap</a:t>
+            </a:r>
+            <a:endParaRPr lang="en-US" dirty="0" smtClean="0"/>
+          </a:p>
+          <a:p>
+            <a:pPr lvl="2"/>
+            <a:r>
+              <a:rPr lang="en-US" dirty="0" smtClean="0"/>
+              <a:t>Repository Pattern + DI/IOC</a:t>
+            </a:r>
+          </a:p>
+          <a:p>
+            <a:pPr lvl="1"/>
+            <a:r>
+              <a:rPr lang="en-US" dirty="0" err="1" smtClean="0"/>
+              <a:t>Nunit</a:t>
+            </a:r>
+            <a:endParaRPr lang="en-US" dirty="0" smtClean="0"/>
+          </a:p>
+          <a:p>
+            <a:pPr lvl="1"/>
+            <a:r>
+              <a:rPr lang="en-US" dirty="0" err="1" smtClean="0"/>
+              <a:t>Moq</a:t>
+            </a:r>
+            <a:endParaRPr lang="en-US" dirty="0" smtClean="0"/>
+          </a:p>
+          <a:p>
+            <a:pPr lvl="1"/>
+            <a:r>
+              <a:rPr lang="en-US" dirty="0" err="1"/>
+              <a:t>MvcContrib.TestHelper</a:t>
+            </a:r>
+            <a:endParaRPr lang="en-US" dirty="0"/>
+          </a:p>
+        </p:txBody>
+      </p:sp>
+    </p:spTree>
+    <p:extLst>
+      <p:ext uri="{BB962C8B-B14F-4D97-AF65-F5344CB8AC3E}">
+        <p14:creationId xmlns:p14="http://schemas.microsoft.com/office/powerpoint/2010/main" val="4158357772"/>
+      </p:ext>
+    </p:extLst>
+  </p:cSld>
+  <p:clrMapOvr>
+    <a:masterClrMapping/>
+  </p:clrMapOvr>
+</p:sld>
+</file>
+
+<file path=ppt/slides/slide5.xml><?xml version="1.0" encoding="utf-8"?>
+<p:sld xmlns:a="http://schemas.openxmlformats.org/drawingml/2006/main" xmlns:r="http://schemas.openxmlformats.org/officeDocument/2006/relationships" xmlns:p="http://schemas.openxmlformats.org/presentationml/2006/main">
+  <p:cSld>
+    <p:spTree>
+      <p:nvGrpSpPr>
+        <p:cNvPr id="1" name=""/>
+        <p:cNvGrpSpPr/>
+        <p:nvPr/>
+      </p:nvGrpSpPr>
+      <p:grpSpPr>
+        <a:xfrm>
+          <a:off x="0" y="0"/>
+          <a:ext cx="0" cy="0"/>
+          <a:chOff x="0" y="0"/>
+          <a:chExt cx="0" cy="0"/>
+        </a:xfrm>
+      </p:grpSpPr>
+      <p:sp>
+        <p:nvSpPr>
+          <p:cNvPr id="2" name="Title 1"/>
+          <p:cNvSpPr>
+            <a:spLocks noGrp="1"/>
+          </p:cNvSpPr>
+          <p:nvPr>
+            <p:ph type="title"/>
+          </p:nvPr>
+        </p:nvSpPr>
         <p:spPr>
           <a:xfrm>
             <a:off x="838200" y="254832"/>
@@ -3850,13 +4033,11 @@
           <a:p>
             <a:r>
               <a:rPr lang="en-US" dirty="0" smtClean="0"/>
-              <a:t>Unit testing</a:t>
-            </a:r>
-          </a:p>
-          <a:p>
+              <a:t>Real-time </a:t>
+            </a:r>
             <a:r>
               <a:rPr lang="en-US" dirty="0" smtClean="0"/>
-              <a:t>Real-time application using </a:t>
+              <a:t>application using </a:t>
             </a:r>
             <a:r>
               <a:rPr lang="en-US" dirty="0" err="1" smtClean="0"/>
@@ -3867,11 +4048,7 @@
           <a:p>
             <a:r>
               <a:rPr lang="en-US" dirty="0" smtClean="0"/>
-              <a:t>Angular UI </a:t>
-            </a:r>
-            <a:r>
-              <a:rPr lang="en-US" dirty="0" smtClean="0"/>
-              <a:t>Bootstrap</a:t>
+              <a:t>Angular UI Bootstrap</a:t>
             </a:r>
           </a:p>
         </p:txBody>

--- a/Diagram/AngularJs + ASP.pptx
+++ b/Diagram/AngularJs + ASP.pptx
@@ -544,6 +544,333 @@
     <p:extLst>
       <p:ext uri="{BB962C8B-B14F-4D97-AF65-F5344CB8AC3E}">
         <p14:creationId xmlns:p14="http://schemas.microsoft.com/office/powerpoint/2010/main" val="2119671623"/>
+      </p:ext>
+    </p:extLst>
+  </p:cSld>
+  <p:clrMapOvr>
+    <a:masterClrMapping/>
+  </p:clrMapOvr>
+</p:notes>
+</file>
+
+<file path=ppt/notesSlides/notesSlide2.xml><?xml version="1.0" encoding="utf-8"?>
+<p:notes xmlns:a="http://schemas.openxmlformats.org/drawingml/2006/main" xmlns:r="http://schemas.openxmlformats.org/officeDocument/2006/relationships" xmlns:p="http://schemas.openxmlformats.org/presentationml/2006/main">
+  <p:cSld>
+    <p:spTree>
+      <p:nvGrpSpPr>
+        <p:cNvPr id="1" name=""/>
+        <p:cNvGrpSpPr/>
+        <p:nvPr/>
+      </p:nvGrpSpPr>
+      <p:grpSpPr>
+        <a:xfrm>
+          <a:off x="0" y="0"/>
+          <a:ext cx="0" cy="0"/>
+          <a:chOff x="0" y="0"/>
+          <a:chExt cx="0" cy="0"/>
+        </a:xfrm>
+      </p:grpSpPr>
+      <p:sp>
+        <p:nvSpPr>
+          <p:cNvPr id="2" name="Slide Image Placeholder 1"/>
+          <p:cNvSpPr>
+            <a:spLocks noGrp="1" noRot="1" noChangeAspect="1"/>
+          </p:cNvSpPr>
+          <p:nvPr>
+            <p:ph type="sldImg"/>
+          </p:nvPr>
+        </p:nvSpPr>
+        <p:spPr/>
+      </p:sp>
+      <p:sp>
+        <p:nvSpPr>
+          <p:cNvPr id="3" name="Notes Placeholder 2"/>
+          <p:cNvSpPr>
+            <a:spLocks noGrp="1"/>
+          </p:cNvSpPr>
+          <p:nvPr>
+            <p:ph type="body" idx="1"/>
+          </p:nvPr>
+        </p:nvSpPr>
+        <p:spPr/>
+        <p:txBody>
+          <a:bodyPr/>
+          <a:lstStyle/>
+          <a:p>
+            <a:r>
+              <a:rPr lang="en-US" dirty="0" err="1" smtClean="0"/>
+              <a:t>Javascript</a:t>
+            </a:r>
+            <a:r>
+              <a:rPr lang="en-US" baseline="0" dirty="0" smtClean="0"/>
+              <a:t> unit tests</a:t>
+            </a:r>
+          </a:p>
+          <a:p>
+            <a:pPr marL="0" indent="0">
+              <a:buFont typeface="Arial" panose="020B0604020202020204" pitchFamily="34" charset="0"/>
+              <a:buNone/>
+            </a:pPr>
+            <a:r>
+              <a:rPr lang="en-US" baseline="0" dirty="0" smtClean="0"/>
+              <a:t>Test Runner - Chutzpah</a:t>
+            </a:r>
+          </a:p>
+          <a:p>
+            <a:pPr marL="0" indent="0">
+              <a:buFont typeface="Arial" panose="020B0604020202020204" pitchFamily="34" charset="0"/>
+              <a:buNone/>
+            </a:pPr>
+            <a:r>
+              <a:rPr lang="en-US" baseline="0" dirty="0" smtClean="0"/>
+              <a:t>Install Vs extensions </a:t>
+            </a:r>
+          </a:p>
+          <a:p>
+            <a:pPr marL="628650" lvl="1" indent="-171450">
+              <a:buFont typeface="Arial" panose="020B0604020202020204" pitchFamily="34" charset="0"/>
+              <a:buChar char="•"/>
+            </a:pPr>
+            <a:r>
+              <a:rPr lang="en-US" baseline="0" dirty="0" smtClean="0"/>
+              <a:t>Chutzpah Test Adapter for the Test Explorer</a:t>
+            </a:r>
+          </a:p>
+          <a:p>
+            <a:pPr marL="628650" marR="0" lvl="2" indent="-171450" algn="l" defTabSz="914400" rtl="0" eaLnBrk="1" fontAlgn="auto" latinLnBrk="0" hangingPunct="1">
+              <a:lnSpc>
+                <a:spcPct val="100000"/>
+              </a:lnSpc>
+              <a:spcBef>
+                <a:spcPts val="0"/>
+              </a:spcBef>
+              <a:spcAft>
+                <a:spcPts val="0"/>
+              </a:spcAft>
+              <a:buClrTx/>
+              <a:buSzTx/>
+              <a:buFont typeface="Arial" panose="020B0604020202020204" pitchFamily="34" charset="0"/>
+              <a:buChar char="•"/>
+              <a:tabLst/>
+              <a:defRPr/>
+            </a:pPr>
+            <a:r>
+              <a:rPr lang="en-US" baseline="0" dirty="0" smtClean="0"/>
+              <a:t>Chutzpah Test Runner Context Menu Extension</a:t>
+            </a:r>
+          </a:p>
+          <a:p>
+            <a:pPr marL="628650" marR="0" lvl="2" indent="-171450" algn="l" defTabSz="914400" rtl="0" eaLnBrk="1" fontAlgn="auto" latinLnBrk="0" hangingPunct="1">
+              <a:lnSpc>
+                <a:spcPct val="100000"/>
+              </a:lnSpc>
+              <a:spcBef>
+                <a:spcPts val="0"/>
+              </a:spcBef>
+              <a:spcAft>
+                <a:spcPts val="0"/>
+              </a:spcAft>
+              <a:buClrTx/>
+              <a:buSzTx/>
+              <a:buFont typeface="Arial" panose="020B0604020202020204" pitchFamily="34" charset="0"/>
+              <a:buChar char="•"/>
+              <a:tabLst/>
+              <a:defRPr/>
+            </a:pPr>
+            <a:endParaRPr lang="en-US" baseline="0" dirty="0" smtClean="0"/>
+          </a:p>
+          <a:p>
+            <a:pPr marL="0" marR="0" lvl="0" indent="0" algn="l" defTabSz="914400" rtl="0" eaLnBrk="1" fontAlgn="auto" latinLnBrk="0" hangingPunct="1">
+              <a:lnSpc>
+                <a:spcPct val="100000"/>
+              </a:lnSpc>
+              <a:spcBef>
+                <a:spcPts val="0"/>
+              </a:spcBef>
+              <a:spcAft>
+                <a:spcPts val="0"/>
+              </a:spcAft>
+              <a:buClrTx/>
+              <a:buSzTx/>
+              <a:buFont typeface="Arial" panose="020B0604020202020204" pitchFamily="34" charset="0"/>
+              <a:buNone/>
+              <a:tabLst/>
+              <a:defRPr/>
+            </a:pPr>
+            <a:r>
+              <a:rPr lang="en-US" baseline="0" dirty="0" smtClean="0"/>
+              <a:t>Test Runner – </a:t>
+            </a:r>
+            <a:r>
+              <a:rPr lang="en-US" baseline="0" dirty="0" err="1" smtClean="0"/>
+              <a:t>Resharper</a:t>
+            </a:r>
+            <a:endParaRPr lang="en-US" baseline="0" dirty="0" smtClean="0"/>
+          </a:p>
+          <a:p>
+            <a:pPr marL="0" marR="0" lvl="0" indent="0" algn="l" defTabSz="914400" rtl="0" eaLnBrk="1" fontAlgn="auto" latinLnBrk="0" hangingPunct="1">
+              <a:lnSpc>
+                <a:spcPct val="100000"/>
+              </a:lnSpc>
+              <a:spcBef>
+                <a:spcPts val="0"/>
+              </a:spcBef>
+              <a:spcAft>
+                <a:spcPts val="0"/>
+              </a:spcAft>
+              <a:buClrTx/>
+              <a:buSzTx/>
+              <a:buFont typeface="Arial" panose="020B0604020202020204" pitchFamily="34" charset="0"/>
+              <a:buNone/>
+              <a:tabLst/>
+              <a:defRPr/>
+            </a:pPr>
+            <a:r>
+              <a:rPr lang="en-US" baseline="0" dirty="0" err="1" smtClean="0"/>
+              <a:t>Resharper</a:t>
+            </a:r>
+            <a:r>
+              <a:rPr lang="en-US" baseline="0" dirty="0" smtClean="0"/>
+              <a:t> &gt; Options &gt; Tools &gt; Unit Testing &gt; </a:t>
+            </a:r>
+            <a:r>
+              <a:rPr lang="en-US" baseline="0" dirty="0" err="1" smtClean="0"/>
+              <a:t>Javascript</a:t>
+            </a:r>
+            <a:r>
+              <a:rPr lang="en-US" baseline="0" dirty="0" smtClean="0"/>
+              <a:t> Tests</a:t>
+            </a:r>
+          </a:p>
+          <a:p>
+            <a:pPr marL="171450" marR="0" lvl="0" indent="-171450" algn="l" defTabSz="914400" rtl="0" eaLnBrk="1" fontAlgn="auto" latinLnBrk="0" hangingPunct="1">
+              <a:lnSpc>
+                <a:spcPct val="100000"/>
+              </a:lnSpc>
+              <a:spcBef>
+                <a:spcPts val="0"/>
+              </a:spcBef>
+              <a:spcAft>
+                <a:spcPts val="0"/>
+              </a:spcAft>
+              <a:buClrTx/>
+              <a:buSzTx/>
+              <a:buFont typeface="Arial" panose="020B0604020202020204" pitchFamily="34" charset="0"/>
+              <a:buChar char="•"/>
+              <a:tabLst/>
+              <a:defRPr/>
+            </a:pPr>
+            <a:r>
+              <a:rPr lang="en-US" baseline="0" dirty="0" smtClean="0"/>
+              <a:t>Verify Jasmine Support is enabled</a:t>
+            </a:r>
+          </a:p>
+          <a:p>
+            <a:pPr marL="171450" marR="0" lvl="0" indent="-171450" algn="l" defTabSz="914400" rtl="0" eaLnBrk="1" fontAlgn="auto" latinLnBrk="0" hangingPunct="1">
+              <a:lnSpc>
+                <a:spcPct val="100000"/>
+              </a:lnSpc>
+              <a:spcBef>
+                <a:spcPts val="0"/>
+              </a:spcBef>
+              <a:spcAft>
+                <a:spcPts val="0"/>
+              </a:spcAft>
+              <a:buClrTx/>
+              <a:buSzTx/>
+              <a:buFont typeface="Arial" panose="020B0604020202020204" pitchFamily="34" charset="0"/>
+              <a:buChar char="•"/>
+              <a:tabLst/>
+              <a:defRPr/>
+            </a:pPr>
+            <a:r>
+              <a:rPr lang="en-US" baseline="0" dirty="0" smtClean="0"/>
+              <a:t>Verify Jasmine Version – 2.0</a:t>
+            </a:r>
+          </a:p>
+          <a:p>
+            <a:pPr marL="171450" marR="0" lvl="0" indent="-171450" algn="l" defTabSz="914400" rtl="0" eaLnBrk="1" fontAlgn="auto" latinLnBrk="0" hangingPunct="1">
+              <a:lnSpc>
+                <a:spcPct val="100000"/>
+              </a:lnSpc>
+              <a:spcBef>
+                <a:spcPts val="0"/>
+              </a:spcBef>
+              <a:spcAft>
+                <a:spcPts val="0"/>
+              </a:spcAft>
+              <a:buClrTx/>
+              <a:buSzTx/>
+              <a:buFont typeface="Arial" panose="020B0604020202020204" pitchFamily="34" charset="0"/>
+              <a:buChar char="•"/>
+              <a:tabLst/>
+              <a:defRPr/>
+            </a:pPr>
+            <a:r>
+              <a:rPr lang="en-US" baseline="0" dirty="0" smtClean="0"/>
+              <a:t>Run Tests with </a:t>
+            </a:r>
+            <a:r>
+              <a:rPr lang="en-US" baseline="0" dirty="0" err="1" smtClean="0"/>
+              <a:t>PhantomJS</a:t>
+            </a:r>
+            <a:r>
+              <a:rPr lang="en-US" baseline="0" dirty="0" smtClean="0"/>
+              <a:t> – set the executable path (install </a:t>
+            </a:r>
+            <a:r>
+              <a:rPr lang="en-US" baseline="0" dirty="0" err="1" smtClean="0"/>
+              <a:t>phantomJs</a:t>
+            </a:r>
+            <a:r>
+              <a:rPr lang="en-US" baseline="0" smtClean="0"/>
+              <a:t>)</a:t>
+            </a:r>
+            <a:endParaRPr lang="en-US" baseline="0" dirty="0" smtClean="0"/>
+          </a:p>
+          <a:p>
+            <a:pPr marL="171450" indent="-171450">
+              <a:buFont typeface="Arial" panose="020B0604020202020204" pitchFamily="34" charset="0"/>
+              <a:buChar char="•"/>
+            </a:pPr>
+            <a:endParaRPr lang="en-US" baseline="0" dirty="0" smtClean="0"/>
+          </a:p>
+          <a:p>
+            <a:pPr marL="171450" indent="-171450">
+              <a:buFont typeface="Arial" panose="020B0604020202020204" pitchFamily="34" charset="0"/>
+              <a:buChar char="•"/>
+            </a:pPr>
+            <a:endParaRPr lang="en-US" dirty="0"/>
+          </a:p>
+        </p:txBody>
+      </p:sp>
+      <p:sp>
+        <p:nvSpPr>
+          <p:cNvPr id="4" name="Slide Number Placeholder 3"/>
+          <p:cNvSpPr>
+            <a:spLocks noGrp="1"/>
+          </p:cNvSpPr>
+          <p:nvPr>
+            <p:ph type="sldNum" sz="quarter" idx="10"/>
+          </p:nvPr>
+        </p:nvSpPr>
+        <p:spPr/>
+        <p:txBody>
+          <a:bodyPr/>
+          <a:lstStyle/>
+          <a:p>
+            <a:fld id="{4211A5BA-3223-4F89-AE1C-B333D049FC94}" type="slidenum">
+              <a:rPr lang="en-US" smtClean="0"/>
+              <a:t>4</a:t>
+            </a:fld>
+            <a:endParaRPr lang="en-US"/>
+          </a:p>
+        </p:txBody>
+      </p:sp>
+    </p:spTree>
+    <p:extLst>
+      <p:ext uri="{BB962C8B-B14F-4D97-AF65-F5344CB8AC3E}">
+        <p14:creationId xmlns:p14="http://schemas.microsoft.com/office/powerpoint/2010/main" val="592822113"/>
       </p:ext>
     </p:extLst>
   </p:cSld>
@@ -4033,11 +4360,7 @@
           <a:p>
             <a:r>
               <a:rPr lang="en-US" dirty="0" smtClean="0"/>
-              <a:t>Real-time </a:t>
-            </a:r>
-            <a:r>
-              <a:rPr lang="en-US" dirty="0" smtClean="0"/>
-              <a:t>application using </a:t>
+              <a:t>Real-time application using </a:t>
             </a:r>
             <a:r>
               <a:rPr lang="en-US" dirty="0" err="1" smtClean="0"/>

--- a/Diagram/AngularJs + ASP.pptx
+++ b/Diagram/AngularJs + ASP.pptx
@@ -5,14 +5,15 @@
     <p:sldMasterId id="2147483648" r:id="rId1"/>
   </p:sldMasterIdLst>
   <p:notesMasterIdLst>
-    <p:notesMasterId r:id="rId7"/>
+    <p:notesMasterId r:id="rId8"/>
   </p:notesMasterIdLst>
   <p:sldIdLst>
     <p:sldId id="257" r:id="rId2"/>
     <p:sldId id="258" r:id="rId3"/>
     <p:sldId id="259" r:id="rId4"/>
     <p:sldId id="261" r:id="rId5"/>
-    <p:sldId id="260" r:id="rId6"/>
+    <p:sldId id="262" r:id="rId6"/>
+    <p:sldId id="260" r:id="rId7"/>
   </p:sldIdLst>
   <p:sldSz cx="12192000" cy="6858000"/>
   <p:notesSz cx="6858000" cy="9144000"/>
@@ -201,7 +202,7 @@
           <a:p>
             <a:fld id="{A21FF743-423C-4151-98C6-566619B570DA}" type="datetimeFigureOut">
               <a:rPr lang="en-US" smtClean="0"/>
-              <a:t>5/23/2014</a:t>
+              <a:t>5/27/2014</a:t>
             </a:fld>
             <a:endParaRPr lang="en-US"/>
           </a:p>
@@ -660,7 +661,175 @@
             </a:r>
           </a:p>
           <a:p>
-            <a:pPr marL="628650" marR="0" lvl="2" indent="-171450" algn="l" defTabSz="914400" rtl="0" eaLnBrk="1" fontAlgn="auto" latinLnBrk="0" hangingPunct="1">
+            <a:pPr marL="457200" marR="0" lvl="2" indent="0" algn="l" defTabSz="914400" rtl="0" eaLnBrk="1" fontAlgn="auto" latinLnBrk="0" hangingPunct="1">
+              <a:lnSpc>
+                <a:spcPct val="100000"/>
+              </a:lnSpc>
+              <a:spcBef>
+                <a:spcPts val="0"/>
+              </a:spcBef>
+              <a:spcAft>
+                <a:spcPts val="0"/>
+              </a:spcAft>
+              <a:buClrTx/>
+              <a:buSzTx/>
+              <a:buFont typeface="Arial" panose="020B0604020202020204" pitchFamily="34" charset="0"/>
+              <a:buNone/>
+              <a:tabLst/>
+              <a:defRPr/>
+            </a:pPr>
+            <a:endParaRPr lang="en-US" baseline="0" dirty="0" smtClean="0"/>
+          </a:p>
+          <a:p>
+            <a:pPr marL="0" marR="0" lvl="0" indent="0" algn="l" defTabSz="914400" rtl="0" eaLnBrk="1" fontAlgn="auto" latinLnBrk="0" hangingPunct="1">
+              <a:lnSpc>
+                <a:spcPct val="100000"/>
+              </a:lnSpc>
+              <a:spcBef>
+                <a:spcPts val="0"/>
+              </a:spcBef>
+              <a:spcAft>
+                <a:spcPts val="0"/>
+              </a:spcAft>
+              <a:buClrTx/>
+              <a:buSzTx/>
+              <a:buFont typeface="Arial" panose="020B0604020202020204" pitchFamily="34" charset="0"/>
+              <a:buNone/>
+              <a:tabLst/>
+              <a:defRPr/>
+            </a:pPr>
+            <a:r>
+              <a:rPr lang="en-US" baseline="0" dirty="0" smtClean="0"/>
+              <a:t>Test Runner – </a:t>
+            </a:r>
+            <a:r>
+              <a:rPr lang="en-US" baseline="0" dirty="0" err="1" smtClean="0"/>
+              <a:t>Resharper</a:t>
+            </a:r>
+            <a:endParaRPr lang="en-US" baseline="0" dirty="0" smtClean="0"/>
+          </a:p>
+          <a:p>
+            <a:pPr marL="0" marR="0" lvl="0" indent="0" algn="l" defTabSz="914400" rtl="0" eaLnBrk="1" fontAlgn="auto" latinLnBrk="0" hangingPunct="1">
+              <a:lnSpc>
+                <a:spcPct val="100000"/>
+              </a:lnSpc>
+              <a:spcBef>
+                <a:spcPts val="0"/>
+              </a:spcBef>
+              <a:spcAft>
+                <a:spcPts val="0"/>
+              </a:spcAft>
+              <a:buClrTx/>
+              <a:buSzTx/>
+              <a:buFont typeface="Arial" panose="020B0604020202020204" pitchFamily="34" charset="0"/>
+              <a:buNone/>
+              <a:tabLst/>
+              <a:defRPr/>
+            </a:pPr>
+            <a:r>
+              <a:rPr lang="en-US" baseline="0" dirty="0" err="1" smtClean="0"/>
+              <a:t>Resharper</a:t>
+            </a:r>
+            <a:r>
+              <a:rPr lang="en-US" baseline="0" dirty="0" smtClean="0"/>
+              <a:t> &gt; Options &gt; Tools &gt; Unit Testing &gt; </a:t>
+            </a:r>
+            <a:r>
+              <a:rPr lang="en-US" baseline="0" dirty="0" err="1" smtClean="0"/>
+              <a:t>Javascript</a:t>
+            </a:r>
+            <a:r>
+              <a:rPr lang="en-US" baseline="0" dirty="0" smtClean="0"/>
+              <a:t> Tests</a:t>
+            </a:r>
+          </a:p>
+          <a:p>
+            <a:pPr marL="171450" marR="0" lvl="0" indent="-171450" algn="l" defTabSz="914400" rtl="0" eaLnBrk="1" fontAlgn="auto" latinLnBrk="0" hangingPunct="1">
+              <a:lnSpc>
+                <a:spcPct val="100000"/>
+              </a:lnSpc>
+              <a:spcBef>
+                <a:spcPts val="0"/>
+              </a:spcBef>
+              <a:spcAft>
+                <a:spcPts val="0"/>
+              </a:spcAft>
+              <a:buClrTx/>
+              <a:buSzTx/>
+              <a:buFont typeface="Arial" panose="020B0604020202020204" pitchFamily="34" charset="0"/>
+              <a:buChar char="•"/>
+              <a:tabLst/>
+              <a:defRPr/>
+            </a:pPr>
+            <a:r>
+              <a:rPr lang="en-US" baseline="0" dirty="0" smtClean="0"/>
+              <a:t>Verify Jasmine Support is enabled</a:t>
+            </a:r>
+          </a:p>
+          <a:p>
+            <a:pPr marL="171450" marR="0" lvl="0" indent="-171450" algn="l" defTabSz="914400" rtl="0" eaLnBrk="1" fontAlgn="auto" latinLnBrk="0" hangingPunct="1">
+              <a:lnSpc>
+                <a:spcPct val="100000"/>
+              </a:lnSpc>
+              <a:spcBef>
+                <a:spcPts val="0"/>
+              </a:spcBef>
+              <a:spcAft>
+                <a:spcPts val="0"/>
+              </a:spcAft>
+              <a:buClrTx/>
+              <a:buSzTx/>
+              <a:buFont typeface="Arial" panose="020B0604020202020204" pitchFamily="34" charset="0"/>
+              <a:buChar char="•"/>
+              <a:tabLst/>
+              <a:defRPr/>
+            </a:pPr>
+            <a:r>
+              <a:rPr lang="en-US" baseline="0" dirty="0" smtClean="0"/>
+              <a:t>Verify Jasmine Version – 2.0</a:t>
+            </a:r>
+          </a:p>
+          <a:p>
+            <a:pPr marL="171450" marR="0" lvl="0" indent="-171450" algn="l" defTabSz="914400" rtl="0" eaLnBrk="1" fontAlgn="auto" latinLnBrk="0" hangingPunct="1">
+              <a:lnSpc>
+                <a:spcPct val="100000"/>
+              </a:lnSpc>
+              <a:spcBef>
+                <a:spcPts val="0"/>
+              </a:spcBef>
+              <a:spcAft>
+                <a:spcPts val="0"/>
+              </a:spcAft>
+              <a:buClrTx/>
+              <a:buSzTx/>
+              <a:buFont typeface="Arial" panose="020B0604020202020204" pitchFamily="34" charset="0"/>
+              <a:buChar char="•"/>
+              <a:tabLst/>
+              <a:defRPr/>
+            </a:pPr>
+            <a:r>
+              <a:rPr lang="en-US" baseline="0" dirty="0" smtClean="0"/>
+              <a:t>Run Tests with </a:t>
+            </a:r>
+            <a:r>
+              <a:rPr lang="en-US" baseline="0" dirty="0" err="1" smtClean="0"/>
+              <a:t>PhantomJS</a:t>
+            </a:r>
+            <a:r>
+              <a:rPr lang="en-US" baseline="0" dirty="0" smtClean="0"/>
+              <a:t> – set the executable path (install </a:t>
+            </a:r>
+            <a:r>
+              <a:rPr lang="en-US" baseline="0" dirty="0" err="1" smtClean="0"/>
+              <a:t>phantomJs</a:t>
+            </a:r>
+            <a:r>
+              <a:rPr lang="en-US" baseline="0" dirty="0" smtClean="0"/>
+              <a:t>)</a:t>
+            </a:r>
+          </a:p>
+          <a:p>
+            <a:pPr marL="171450" marR="0" lvl="0" indent="-171450" algn="l" defTabSz="914400" rtl="0" eaLnBrk="1" fontAlgn="auto" latinLnBrk="0" hangingPunct="1">
               <a:lnSpc>
                 <a:spcPct val="100000"/>
               </a:lnSpc>
@@ -680,7 +849,7 @@
             <a:endParaRPr lang="en-US" baseline="0" dirty="0" smtClean="0"/>
           </a:p>
           <a:p>
-            <a:pPr marL="0" marR="0" lvl="0" indent="0" algn="l" defTabSz="914400" rtl="0" eaLnBrk="1" fontAlgn="auto" latinLnBrk="0" hangingPunct="1">
+            <a:pPr marL="0" marR="0" indent="0" algn="l" defTabSz="914400" rtl="0" eaLnBrk="1" fontAlgn="auto" latinLnBrk="0" hangingPunct="1">
               <a:lnSpc>
                 <a:spcPct val="100000"/>
               </a:lnSpc>
@@ -698,140 +867,76 @@
               <a:defRPr/>
             </a:pPr>
             <a:r>
+              <a:rPr lang="en-US" sz="1200" b="0" i="0" kern="1200" dirty="0" err="1" smtClean="0">
+                <a:solidFill>
+                  <a:schemeClr val="tx1"/>
+                </a:solidFill>
+                <a:effectLst/>
+                <a:latin typeface="+mn-lt"/>
+                <a:ea typeface="+mn-ea"/>
+                <a:cs typeface="+mn-cs"/>
+              </a:rPr>
+              <a:t>Javascript</a:t>
+            </a:r>
+            <a:r>
+              <a:rPr lang="en-US" sz="1200" b="0" i="0" kern="1200" dirty="0" smtClean="0">
+                <a:solidFill>
+                  <a:schemeClr val="tx1"/>
+                </a:solidFill>
+                <a:effectLst/>
+                <a:latin typeface="+mn-lt"/>
+                <a:ea typeface="+mn-ea"/>
+                <a:cs typeface="+mn-cs"/>
+              </a:rPr>
+              <a:t> Unit Tests on Team Foundation Service with Chutzpah</a:t>
+            </a:r>
+          </a:p>
+          <a:p>
+            <a:pPr marL="0" indent="0">
+              <a:buFont typeface="Arial" panose="020B0604020202020204" pitchFamily="34" charset="0"/>
+              <a:buNone/>
+            </a:pPr>
+            <a:r>
               <a:rPr lang="en-US" baseline="0" dirty="0" smtClean="0"/>
-              <a:t>Test Runner – </a:t>
-            </a:r>
-            <a:r>
-              <a:rPr lang="en-US" baseline="0" dirty="0" err="1" smtClean="0"/>
-              <a:t>Resharper</a:t>
-            </a:r>
+              <a:t>http://</a:t>
+            </a:r>
+            <a:r>
+              <a:rPr lang="en-US" baseline="0" dirty="0" smtClean="0"/>
+              <a:t>blogs.msdn.com/b/visualstudioalm/archive/2012/07/09/javascript-unit-tests-on-team-foundation-service-with-chutzpah.aspx</a:t>
+            </a:r>
+          </a:p>
+          <a:p>
+            <a:pPr marL="0" indent="0">
+              <a:buFont typeface="Arial" panose="020B0604020202020204" pitchFamily="34" charset="0"/>
+              <a:buNone/>
+            </a:pPr>
             <a:endParaRPr lang="en-US" baseline="0" dirty="0" smtClean="0"/>
           </a:p>
           <a:p>
-            <a:pPr marL="0" marR="0" lvl="0" indent="0" algn="l" defTabSz="914400" rtl="0" eaLnBrk="1" fontAlgn="auto" latinLnBrk="0" hangingPunct="1">
-              <a:lnSpc>
-                <a:spcPct val="100000"/>
-              </a:lnSpc>
-              <a:spcBef>
-                <a:spcPts val="0"/>
-              </a:spcBef>
-              <a:spcAft>
-                <a:spcPts val="0"/>
-              </a:spcAft>
-              <a:buClrTx/>
-              <a:buSzTx/>
+            <a:pPr marL="0" indent="0">
               <a:buFont typeface="Arial" panose="020B0604020202020204" pitchFamily="34" charset="0"/>
               <a:buNone/>
-              <a:tabLst/>
-              <a:defRPr/>
             </a:pPr>
             <a:r>
-              <a:rPr lang="en-US" baseline="0" dirty="0" err="1" smtClean="0"/>
-              <a:t>Resharper</a:t>
-            </a:r>
-            <a:r>
               <a:rPr lang="en-US" baseline="0" dirty="0" smtClean="0"/>
-              <a:t> &gt; Options &gt; Tools &gt; Unit Testing &gt; </a:t>
-            </a:r>
-            <a:r>
-              <a:rPr lang="en-US" baseline="0" dirty="0" err="1" smtClean="0"/>
-              <a:t>Javascript</a:t>
-            </a:r>
+              <a:t>ASP.NET MVC Unit tests</a:t>
+            </a:r>
+          </a:p>
+          <a:p>
+            <a:pPr marL="0" indent="0">
+              <a:buFont typeface="Arial" panose="020B0604020202020204" pitchFamily="34" charset="0"/>
+              <a:buNone/>
+            </a:pPr>
             <a:r>
               <a:rPr lang="en-US" baseline="0" dirty="0" smtClean="0"/>
-              <a:t> Tests</a:t>
-            </a:r>
-          </a:p>
-          <a:p>
-            <a:pPr marL="171450" marR="0" lvl="0" indent="-171450" algn="l" defTabSz="914400" rtl="0" eaLnBrk="1" fontAlgn="auto" latinLnBrk="0" hangingPunct="1">
-              <a:lnSpc>
-                <a:spcPct val="100000"/>
-              </a:lnSpc>
-              <a:spcBef>
-                <a:spcPts val="0"/>
-              </a:spcBef>
-              <a:spcAft>
-                <a:spcPts val="0"/>
-              </a:spcAft>
-              <a:buClrTx/>
-              <a:buSzTx/>
+              <a:t>http://mvccontrib.codeplex.com/wikipage?title=TestHelper</a:t>
+            </a:r>
+            <a:endParaRPr lang="en-US" baseline="0" dirty="0" smtClean="0"/>
+          </a:p>
+          <a:p>
+            <a:pPr marL="0" indent="0">
               <a:buFont typeface="Arial" panose="020B0604020202020204" pitchFamily="34" charset="0"/>
-              <a:buChar char="•"/>
-              <a:tabLst/>
-              <a:defRPr/>
-            </a:pPr>
-            <a:r>
-              <a:rPr lang="en-US" baseline="0" dirty="0" smtClean="0"/>
-              <a:t>Verify Jasmine Support is enabled</a:t>
-            </a:r>
-          </a:p>
-          <a:p>
-            <a:pPr marL="171450" marR="0" lvl="0" indent="-171450" algn="l" defTabSz="914400" rtl="0" eaLnBrk="1" fontAlgn="auto" latinLnBrk="0" hangingPunct="1">
-              <a:lnSpc>
-                <a:spcPct val="100000"/>
-              </a:lnSpc>
-              <a:spcBef>
-                <a:spcPts val="0"/>
-              </a:spcBef>
-              <a:spcAft>
-                <a:spcPts val="0"/>
-              </a:spcAft>
-              <a:buClrTx/>
-              <a:buSzTx/>
-              <a:buFont typeface="Arial" panose="020B0604020202020204" pitchFamily="34" charset="0"/>
-              <a:buChar char="•"/>
-              <a:tabLst/>
-              <a:defRPr/>
-            </a:pPr>
-            <a:r>
-              <a:rPr lang="en-US" baseline="0" dirty="0" smtClean="0"/>
-              <a:t>Verify Jasmine Version – 2.0</a:t>
-            </a:r>
-          </a:p>
-          <a:p>
-            <a:pPr marL="171450" marR="0" lvl="0" indent="-171450" algn="l" defTabSz="914400" rtl="0" eaLnBrk="1" fontAlgn="auto" latinLnBrk="0" hangingPunct="1">
-              <a:lnSpc>
-                <a:spcPct val="100000"/>
-              </a:lnSpc>
-              <a:spcBef>
-                <a:spcPts val="0"/>
-              </a:spcBef>
-              <a:spcAft>
-                <a:spcPts val="0"/>
-              </a:spcAft>
-              <a:buClrTx/>
-              <a:buSzTx/>
-              <a:buFont typeface="Arial" panose="020B0604020202020204" pitchFamily="34" charset="0"/>
-              <a:buChar char="•"/>
-              <a:tabLst/>
-              <a:defRPr/>
-            </a:pPr>
-            <a:r>
-              <a:rPr lang="en-US" baseline="0" dirty="0" smtClean="0"/>
-              <a:t>Run Tests with </a:t>
-            </a:r>
-            <a:r>
-              <a:rPr lang="en-US" baseline="0" dirty="0" err="1" smtClean="0"/>
-              <a:t>PhantomJS</a:t>
-            </a:r>
-            <a:r>
-              <a:rPr lang="en-US" baseline="0" dirty="0" smtClean="0"/>
-              <a:t> – set the executable path (install </a:t>
-            </a:r>
-            <a:r>
-              <a:rPr lang="en-US" baseline="0" dirty="0" err="1" smtClean="0"/>
-              <a:t>phantomJs</a:t>
-            </a:r>
-            <a:r>
-              <a:rPr lang="en-US" baseline="0" smtClean="0"/>
-              <a:t>)</a:t>
-            </a:r>
-            <a:endParaRPr lang="en-US" baseline="0" dirty="0" smtClean="0"/>
-          </a:p>
-          <a:p>
-            <a:pPr marL="171450" indent="-171450">
-              <a:buFont typeface="Arial" panose="020B0604020202020204" pitchFamily="34" charset="0"/>
-              <a:buChar char="•"/>
+              <a:buNone/>
             </a:pPr>
             <a:endParaRPr lang="en-US" baseline="0" dirty="0" smtClean="0"/>
           </a:p>
@@ -1011,7 +1116,7 @@
           <a:p>
             <a:fld id="{C3A7FED0-B406-4EBC-BE57-01792E773B59}" type="datetimeFigureOut">
               <a:rPr lang="en-US" smtClean="0"/>
-              <a:t>5/23/2014</a:t>
+              <a:t>5/27/2014</a:t>
             </a:fld>
             <a:endParaRPr lang="en-US"/>
           </a:p>
@@ -1181,7 +1286,7 @@
           <a:p>
             <a:fld id="{C3A7FED0-B406-4EBC-BE57-01792E773B59}" type="datetimeFigureOut">
               <a:rPr lang="en-US" smtClean="0"/>
-              <a:t>5/23/2014</a:t>
+              <a:t>5/27/2014</a:t>
             </a:fld>
             <a:endParaRPr lang="en-US"/>
           </a:p>
@@ -1361,7 +1466,7 @@
           <a:p>
             <a:fld id="{C3A7FED0-B406-4EBC-BE57-01792E773B59}" type="datetimeFigureOut">
               <a:rPr lang="en-US" smtClean="0"/>
-              <a:t>5/23/2014</a:t>
+              <a:t>5/27/2014</a:t>
             </a:fld>
             <a:endParaRPr lang="en-US"/>
           </a:p>
@@ -1531,7 +1636,7 @@
           <a:p>
             <a:fld id="{C3A7FED0-B406-4EBC-BE57-01792E773B59}" type="datetimeFigureOut">
               <a:rPr lang="en-US" smtClean="0"/>
-              <a:t>5/23/2014</a:t>
+              <a:t>5/27/2014</a:t>
             </a:fld>
             <a:endParaRPr lang="en-US"/>
           </a:p>
@@ -1777,7 +1882,7 @@
           <a:p>
             <a:fld id="{C3A7FED0-B406-4EBC-BE57-01792E773B59}" type="datetimeFigureOut">
               <a:rPr lang="en-US" smtClean="0"/>
-              <a:t>5/23/2014</a:t>
+              <a:t>5/27/2014</a:t>
             </a:fld>
             <a:endParaRPr lang="en-US"/>
           </a:p>
@@ -2009,7 +2114,7 @@
           <a:p>
             <a:fld id="{C3A7FED0-B406-4EBC-BE57-01792E773B59}" type="datetimeFigureOut">
               <a:rPr lang="en-US" smtClean="0"/>
-              <a:t>5/23/2014</a:t>
+              <a:t>5/27/2014</a:t>
             </a:fld>
             <a:endParaRPr lang="en-US"/>
           </a:p>
@@ -2376,7 +2481,7 @@
           <a:p>
             <a:fld id="{C3A7FED0-B406-4EBC-BE57-01792E773B59}" type="datetimeFigureOut">
               <a:rPr lang="en-US" smtClean="0"/>
-              <a:t>5/23/2014</a:t>
+              <a:t>5/27/2014</a:t>
             </a:fld>
             <a:endParaRPr lang="en-US"/>
           </a:p>
@@ -2494,7 +2599,7 @@
           <a:p>
             <a:fld id="{C3A7FED0-B406-4EBC-BE57-01792E773B59}" type="datetimeFigureOut">
               <a:rPr lang="en-US" smtClean="0"/>
-              <a:t>5/23/2014</a:t>
+              <a:t>5/27/2014</a:t>
             </a:fld>
             <a:endParaRPr lang="en-US"/>
           </a:p>
@@ -2589,7 +2694,7 @@
           <a:p>
             <a:fld id="{C3A7FED0-B406-4EBC-BE57-01792E773B59}" type="datetimeFigureOut">
               <a:rPr lang="en-US" smtClean="0"/>
-              <a:t>5/23/2014</a:t>
+              <a:t>5/27/2014</a:t>
             </a:fld>
             <a:endParaRPr lang="en-US"/>
           </a:p>
@@ -2866,7 +2971,7 @@
           <a:p>
             <a:fld id="{C3A7FED0-B406-4EBC-BE57-01792E773B59}" type="datetimeFigureOut">
               <a:rPr lang="en-US" smtClean="0"/>
-              <a:t>5/23/2014</a:t>
+              <a:t>5/27/2014</a:t>
             </a:fld>
             <a:endParaRPr lang="en-US"/>
           </a:p>
@@ -3119,7 +3224,7 @@
           <a:p>
             <a:fld id="{C3A7FED0-B406-4EBC-BE57-01792E773B59}" type="datetimeFigureOut">
               <a:rPr lang="en-US" smtClean="0"/>
-              <a:t>5/23/2014</a:t>
+              <a:t>5/27/2014</a:t>
             </a:fld>
             <a:endParaRPr lang="en-US"/>
           </a:p>
@@ -3332,7 +3437,7 @@
           <a:p>
             <a:fld id="{C3A7FED0-B406-4EBC-BE57-01792E773B59}" type="datetimeFigureOut">
               <a:rPr lang="en-US" smtClean="0"/>
-              <a:t>5/23/2014</a:t>
+              <a:t>5/27/2014</a:t>
             </a:fld>
             <a:endParaRPr lang="en-US"/>
           </a:p>
@@ -4280,6 +4385,13 @@
   <p:clrMapOvr>
     <a:masterClrMapping/>
   </p:clrMapOvr>
+  <p:timing>
+    <p:tnLst>
+      <p:par>
+        <p:cTn id="1" dur="indefinite" restart="never" nodeType="tmRoot"/>
+      </p:par>
+    </p:tnLst>
+  </p:timing>
 </p:sld>
 </file>
 
@@ -4310,6 +4422,96 @@
             <p:ph type="title"/>
           </p:nvPr>
         </p:nvSpPr>
+        <p:spPr/>
+        <p:txBody>
+          <a:bodyPr/>
+          <a:lstStyle/>
+          <a:p>
+            <a:r>
+              <a:rPr lang="en-US" dirty="0" smtClean="0"/>
+              <a:t>DI/IOC Using </a:t>
+            </a:r>
+            <a:r>
+              <a:rPr lang="en-US" dirty="0" err="1" smtClean="0"/>
+              <a:t>StructureMap</a:t>
+            </a:r>
+            <a:endParaRPr lang="en-US" dirty="0"/>
+          </a:p>
+        </p:txBody>
+      </p:sp>
+      <p:pic>
+        <p:nvPicPr>
+          <p:cNvPr id="4" name="Content Placeholder 3"/>
+          <p:cNvPicPr>
+            <a:picLocks noGrp="1" noChangeAspect="1"/>
+          </p:cNvPicPr>
+          <p:nvPr>
+            <p:ph idx="1"/>
+          </p:nvPr>
+        </p:nvPicPr>
+        <p:blipFill>
+          <a:blip r:embed="rId2"/>
+          <a:stretch>
+            <a:fillRect/>
+          </a:stretch>
+        </p:blipFill>
+        <p:spPr>
+          <a:xfrm>
+            <a:off x="1869086" y="1690688"/>
+            <a:ext cx="7855610" cy="3358824"/>
+          </a:xfrm>
+          <a:prstGeom prst="rect">
+            <a:avLst/>
+          </a:prstGeom>
+        </p:spPr>
+      </p:pic>
+    </p:spTree>
+    <p:extLst>
+      <p:ext uri="{BB962C8B-B14F-4D97-AF65-F5344CB8AC3E}">
+        <p14:creationId xmlns:p14="http://schemas.microsoft.com/office/powerpoint/2010/main" val="2591515575"/>
+      </p:ext>
+    </p:extLst>
+  </p:cSld>
+  <p:clrMapOvr>
+    <a:masterClrMapping/>
+  </p:clrMapOvr>
+  <p:timing>
+    <p:tnLst>
+      <p:par>
+        <p:cTn id="1" dur="indefinite" restart="never" nodeType="tmRoot"/>
+      </p:par>
+    </p:tnLst>
+  </p:timing>
+</p:sld>
+</file>
+
+<file path=ppt/slides/slide6.xml><?xml version="1.0" encoding="utf-8"?>
+<p:sld xmlns:a="http://schemas.openxmlformats.org/drawingml/2006/main" xmlns:r="http://schemas.openxmlformats.org/officeDocument/2006/relationships" xmlns:p="http://schemas.openxmlformats.org/presentationml/2006/main">
+  <p:cSld>
+    <p:spTree>
+      <p:nvGrpSpPr>
+        <p:cNvPr id="1" name=""/>
+        <p:cNvGrpSpPr/>
+        <p:nvPr/>
+      </p:nvGrpSpPr>
+      <p:grpSpPr>
+        <a:xfrm>
+          <a:off x="0" y="0"/>
+          <a:ext cx="0" cy="0"/>
+          <a:chOff x="0" y="0"/>
+          <a:chExt cx="0" cy="0"/>
+        </a:xfrm>
+      </p:grpSpPr>
+      <p:sp>
+        <p:nvSpPr>
+          <p:cNvPr id="2" name="Title 1"/>
+          <p:cNvSpPr>
+            <a:spLocks noGrp="1"/>
+          </p:cNvSpPr>
+          <p:nvPr>
+            <p:ph type="title"/>
+          </p:nvPr>
+        </p:nvSpPr>
         <p:spPr>
           <a:xfrm>
             <a:off x="838200" y="254832"/>
@@ -4359,6 +4561,12 @@
           <a:lstStyle/>
           <a:p>
             <a:r>
+              <a:rPr lang="en-US" dirty="0"/>
+              <a:t>Angular UI Bootstrap</a:t>
+            </a:r>
+          </a:p>
+          <a:p>
+            <a:r>
               <a:rPr lang="en-US" dirty="0" smtClean="0"/>
               <a:t>Real-time application using </a:t>
             </a:r>
@@ -4367,12 +4575,6 @@
               <a:t>SignalR</a:t>
             </a:r>
             <a:endParaRPr lang="en-US" dirty="0" smtClean="0"/>
-          </a:p>
-          <a:p>
-            <a:r>
-              <a:rPr lang="en-US" dirty="0" smtClean="0"/>
-              <a:t>Angular UI Bootstrap</a:t>
-            </a:r>
           </a:p>
         </p:txBody>
       </p:sp>
@@ -4386,6 +4588,13 @@
   <p:clrMapOvr>
     <a:masterClrMapping/>
   </p:clrMapOvr>
+  <p:timing>
+    <p:tnLst>
+      <p:par>
+        <p:cTn id="1" dur="indefinite" restart="never" nodeType="tmRoot"/>
+      </p:par>
+    </p:tnLst>
+  </p:timing>
 </p:sld>
 </file>
 
